--- a/deep learning for text.pptx
+++ b/deep learning for text.pptx
@@ -5,10 +5,10 @@
     <p:sldMasterId id="2147483648" r:id="rId1"/>
   </p:sldMasterIdLst>
   <p:notesMasterIdLst>
-    <p:notesMasterId r:id="rId16"/>
+    <p:notesMasterId r:id="rId17"/>
   </p:notesMasterIdLst>
   <p:handoutMasterIdLst>
-    <p:handoutMasterId r:id="rId17"/>
+    <p:handoutMasterId r:id="rId18"/>
   </p:handoutMasterIdLst>
   <p:sldIdLst>
     <p:sldId id="260" r:id="rId2"/>
@@ -24,7 +24,8 @@
     <p:sldId id="269" r:id="rId12"/>
     <p:sldId id="272" r:id="rId13"/>
     <p:sldId id="273" r:id="rId14"/>
-    <p:sldId id="274" r:id="rId15"/>
+    <p:sldId id="275" r:id="rId15"/>
+    <p:sldId id="274" r:id="rId16"/>
   </p:sldIdLst>
   <p:sldSz cx="12192000" cy="6858000"/>
   <p:notesSz cx="7104063" cy="10234613"/>
@@ -5453,6 +5454,58 @@
           </a:p>
         </p:txBody>
       </p:sp>
+      <p:sp>
+        <p:nvSpPr>
+          <p:cNvPr id="20" name="Rectangle 19">
+            <a:extLst>
+              <a:ext uri="{FF2B5EF4-FFF2-40B4-BE49-F238E27FC236}">
+                <a16:creationId xmlns:a16="http://schemas.microsoft.com/office/drawing/2014/main" id="{1899E352-31FA-73F1-E947-8FBD64D148A6}"/>
+              </a:ext>
+            </a:extLst>
+          </p:cNvPr>
+          <p:cNvSpPr/>
+          <p:nvPr/>
+        </p:nvSpPr>
+        <p:spPr>
+          <a:xfrm>
+            <a:off x="8348818" y="3685170"/>
+            <a:ext cx="999414" cy="119531"/>
+          </a:xfrm>
+          <a:prstGeom prst="rect">
+            <a:avLst/>
+          </a:prstGeom>
+          <a:noFill/>
+          <a:ln w="0">
+            <a:solidFill>
+              <a:srgbClr val="FF0000"/>
+            </a:solidFill>
+          </a:ln>
+        </p:spPr>
+        <p:style>
+          <a:lnRef idx="2">
+            <a:schemeClr val="accent1">
+              <a:shade val="50000"/>
+            </a:schemeClr>
+          </a:lnRef>
+          <a:fillRef idx="1">
+            <a:schemeClr val="accent1"/>
+          </a:fillRef>
+          <a:effectRef idx="0">
+            <a:schemeClr val="accent1"/>
+          </a:effectRef>
+          <a:fontRef idx="minor">
+            <a:schemeClr val="lt1"/>
+          </a:fontRef>
+        </p:style>
+        <p:txBody>
+          <a:bodyPr rtlCol="0" anchor="ctr"/>
+          <a:lstStyle/>
+          <a:p>
+            <a:pPr algn="ctr"/>
+            <a:endParaRPr lang="en-CN" dirty="0"/>
+          </a:p>
+        </p:txBody>
+      </p:sp>
     </p:spTree>
     <p:extLst>
       <p:ext uri="{BB962C8B-B14F-4D97-AF65-F5344CB8AC3E}">
@@ -5512,10 +5565,900 @@
           <a:lstStyle/>
           <a:p>
             <a:r>
-              <a:rPr lang="en-US" sz="2400" b="1" dirty="0" err="1"/>
-              <a:t>xxxx</a:t>
+              <a:rPr lang="en-US" sz="2400" b="1" dirty="0"/>
+              <a:t>Sequence-to-sequence learning with Transformer - 1</a:t>
             </a:r>
             <a:endParaRPr lang="en-CN" sz="2400" dirty="0"/>
+          </a:p>
+        </p:txBody>
+      </p:sp>
+      <p:sp>
+        <p:nvSpPr>
+          <p:cNvPr id="15" name="矩形 21">
+            <a:extLst>
+              <a:ext uri="{FF2B5EF4-FFF2-40B4-BE49-F238E27FC236}">
+                <a16:creationId xmlns:a16="http://schemas.microsoft.com/office/drawing/2014/main" id="{6D1C7B4D-BF20-E0D1-FAA3-67743170C87A}"/>
+              </a:ext>
+            </a:extLst>
+          </p:cNvPr>
+          <p:cNvSpPr/>
+          <p:nvPr/>
+        </p:nvSpPr>
+        <p:spPr>
+          <a:xfrm>
+            <a:off x="1257284" y="1596725"/>
+            <a:ext cx="2214489" cy="573620"/>
+          </a:xfrm>
+          <a:prstGeom prst="rect">
+            <a:avLst/>
+          </a:prstGeom>
+          <a:solidFill>
+            <a:srgbClr val="00B0F0"/>
+          </a:solidFill>
+        </p:spPr>
+        <p:style>
+          <a:lnRef idx="2">
+            <a:schemeClr val="accent1">
+              <a:shade val="50000"/>
+            </a:schemeClr>
+          </a:lnRef>
+          <a:fillRef idx="1">
+            <a:schemeClr val="accent1"/>
+          </a:fillRef>
+          <a:effectRef idx="0">
+            <a:schemeClr val="accent1"/>
+          </a:effectRef>
+          <a:fontRef idx="minor">
+            <a:schemeClr val="lt1"/>
+          </a:fontRef>
+        </p:style>
+        <p:txBody>
+          <a:bodyPr rtlCol="0" anchor="ctr"/>
+          <a:lstStyle/>
+          <a:p>
+            <a:pPr algn="ctr"/>
+            <a:r>
+              <a:rPr kumimoji="1" lang="en-US" altLang="zh-CN" sz="1400" dirty="0"/>
+              <a:t>input sequence:</a:t>
+            </a:r>
+          </a:p>
+          <a:p>
+            <a:pPr algn="ctr"/>
+            <a:r>
+              <a:rPr kumimoji="1" lang="en-US" altLang="zh-CN" sz="1400" dirty="0">
+                <a:solidFill>
+                  <a:schemeClr val="tx1"/>
+                </a:solidFill>
+              </a:rPr>
+              <a:t>how’s the weather today?</a:t>
+            </a:r>
+          </a:p>
+        </p:txBody>
+      </p:sp>
+      <p:sp>
+        <p:nvSpPr>
+          <p:cNvPr id="16" name="矩形 25">
+            <a:extLst>
+              <a:ext uri="{FF2B5EF4-FFF2-40B4-BE49-F238E27FC236}">
+                <a16:creationId xmlns:a16="http://schemas.microsoft.com/office/drawing/2014/main" id="{20AB0434-9D12-54CF-3797-F773D4CA617F}"/>
+              </a:ext>
+            </a:extLst>
+          </p:cNvPr>
+          <p:cNvSpPr/>
+          <p:nvPr/>
+        </p:nvSpPr>
+        <p:spPr>
+          <a:xfrm>
+            <a:off x="1257284" y="2872127"/>
+            <a:ext cx="2214489" cy="573620"/>
+          </a:xfrm>
+          <a:prstGeom prst="rect">
+            <a:avLst/>
+          </a:prstGeom>
+          <a:solidFill>
+            <a:schemeClr val="accent6">
+              <a:lumMod val="20000"/>
+              <a:lumOff val="80000"/>
+            </a:schemeClr>
+          </a:solidFill>
+        </p:spPr>
+        <p:style>
+          <a:lnRef idx="2">
+            <a:schemeClr val="accent1">
+              <a:shade val="50000"/>
+            </a:schemeClr>
+          </a:lnRef>
+          <a:fillRef idx="1">
+            <a:schemeClr val="accent1"/>
+          </a:fillRef>
+          <a:effectRef idx="0">
+            <a:schemeClr val="accent1"/>
+          </a:effectRef>
+          <a:fontRef idx="minor">
+            <a:schemeClr val="lt1"/>
+          </a:fontRef>
+        </p:style>
+        <p:txBody>
+          <a:bodyPr rtlCol="0" anchor="ctr"/>
+          <a:lstStyle/>
+          <a:p>
+            <a:pPr algn="ctr"/>
+            <a:r>
+              <a:rPr kumimoji="1" lang="en-US" altLang="zh-CN" sz="1400" dirty="0">
+                <a:solidFill>
+                  <a:schemeClr val="tx1"/>
+                </a:solidFill>
+              </a:rPr>
+              <a:t>output sequence:</a:t>
+            </a:r>
+          </a:p>
+          <a:p>
+            <a:pPr algn="ctr"/>
+            <a:r>
+              <a:rPr lang="en-US" altLang="zh-CN" sz="1400" dirty="0">
+                <a:solidFill>
+                  <a:srgbClr val="FF6600"/>
+                </a:solidFill>
+              </a:rPr>
+              <a:t>¿Qué tiempo hace hoy? </a:t>
+            </a:r>
+          </a:p>
+        </p:txBody>
+      </p:sp>
+      <p:cxnSp>
+        <p:nvCxnSpPr>
+          <p:cNvPr id="17" name="直线箭头连接符 7">
+            <a:extLst>
+              <a:ext uri="{FF2B5EF4-FFF2-40B4-BE49-F238E27FC236}">
+                <a16:creationId xmlns:a16="http://schemas.microsoft.com/office/drawing/2014/main" id="{08B16F1B-344B-4B79-1B71-49EE19A1DA0D}"/>
+              </a:ext>
+            </a:extLst>
+          </p:cNvPr>
+          <p:cNvCxnSpPr/>
+          <p:nvPr/>
+        </p:nvCxnSpPr>
+        <p:spPr>
+          <a:xfrm>
+            <a:off x="1488663" y="2223100"/>
+            <a:ext cx="0" cy="509954"/>
+          </a:xfrm>
+          <a:prstGeom prst="straightConnector1">
+            <a:avLst/>
+          </a:prstGeom>
+          <a:ln>
+            <a:tailEnd type="triangle"/>
+          </a:ln>
+        </p:spPr>
+        <p:style>
+          <a:lnRef idx="1">
+            <a:schemeClr val="accent1"/>
+          </a:lnRef>
+          <a:fillRef idx="0">
+            <a:schemeClr val="accent1"/>
+          </a:fillRef>
+          <a:effectRef idx="0">
+            <a:schemeClr val="accent1"/>
+          </a:effectRef>
+          <a:fontRef idx="minor">
+            <a:schemeClr val="tx1"/>
+          </a:fontRef>
+        </p:style>
+      </p:cxnSp>
+      <p:sp>
+        <p:nvSpPr>
+          <p:cNvPr id="18" name="文本框 8">
+            <a:extLst>
+              <a:ext uri="{FF2B5EF4-FFF2-40B4-BE49-F238E27FC236}">
+                <a16:creationId xmlns:a16="http://schemas.microsoft.com/office/drawing/2014/main" id="{C2329366-1997-4598-90AB-4A9B764FC580}"/>
+              </a:ext>
+            </a:extLst>
+          </p:cNvPr>
+          <p:cNvSpPr txBox="1"/>
+          <p:nvPr/>
+        </p:nvSpPr>
+        <p:spPr>
+          <a:xfrm>
+            <a:off x="497829" y="2974271"/>
+            <a:ext cx="808235" cy="369332"/>
+          </a:xfrm>
+          <a:prstGeom prst="rect">
+            <a:avLst/>
+          </a:prstGeom>
+          <a:noFill/>
+        </p:spPr>
+        <p:txBody>
+          <a:bodyPr wrap="none" rtlCol="0">
+            <a:spAutoFit/>
+          </a:bodyPr>
+          <a:lstStyle/>
+          <a:p>
+            <a:r>
+              <a:rPr kumimoji="1" lang="en-US" altLang="zh-CN" b="1" dirty="0"/>
+              <a:t>target </a:t>
+            </a:r>
+            <a:endParaRPr kumimoji="1" lang="zh-CN" altLang="en-US" b="1" dirty="0"/>
+          </a:p>
+        </p:txBody>
+      </p:sp>
+      <p:sp>
+        <p:nvSpPr>
+          <p:cNvPr id="19" name="文本框 31">
+            <a:extLst>
+              <a:ext uri="{FF2B5EF4-FFF2-40B4-BE49-F238E27FC236}">
+                <a16:creationId xmlns:a16="http://schemas.microsoft.com/office/drawing/2014/main" id="{2D868A58-A49B-E368-E371-E0DE203884E2}"/>
+              </a:ext>
+            </a:extLst>
+          </p:cNvPr>
+          <p:cNvSpPr txBox="1"/>
+          <p:nvPr/>
+        </p:nvSpPr>
+        <p:spPr>
+          <a:xfrm>
+            <a:off x="497829" y="1698869"/>
+            <a:ext cx="812979" cy="369332"/>
+          </a:xfrm>
+          <a:prstGeom prst="rect">
+            <a:avLst/>
+          </a:prstGeom>
+          <a:noFill/>
+        </p:spPr>
+        <p:txBody>
+          <a:bodyPr wrap="none" rtlCol="0">
+            <a:spAutoFit/>
+          </a:bodyPr>
+          <a:lstStyle/>
+          <a:p>
+            <a:r>
+              <a:rPr kumimoji="1" lang="en-US" altLang="zh-CN" b="1" dirty="0"/>
+              <a:t>source</a:t>
+            </a:r>
+            <a:endParaRPr kumimoji="1" lang="zh-CN" altLang="en-US" b="1" dirty="0"/>
+          </a:p>
+        </p:txBody>
+      </p:sp>
+      <p:sp>
+        <p:nvSpPr>
+          <p:cNvPr id="20" name="文本框 3">
+            <a:extLst>
+              <a:ext uri="{FF2B5EF4-FFF2-40B4-BE49-F238E27FC236}">
+                <a16:creationId xmlns:a16="http://schemas.microsoft.com/office/drawing/2014/main" id="{4F57D641-6F73-E187-1B1E-272AECA267F1}"/>
+              </a:ext>
+            </a:extLst>
+          </p:cNvPr>
+          <p:cNvSpPr txBox="1"/>
+          <p:nvPr/>
+        </p:nvSpPr>
+        <p:spPr>
+          <a:xfrm>
+            <a:off x="2337479" y="3407003"/>
+            <a:ext cx="667170" cy="338554"/>
+          </a:xfrm>
+          <a:prstGeom prst="rect">
+            <a:avLst/>
+          </a:prstGeom>
+          <a:solidFill>
+            <a:srgbClr val="FFFF00"/>
+          </a:solidFill>
+        </p:spPr>
+        <p:txBody>
+          <a:bodyPr wrap="none" rtlCol="0">
+            <a:spAutoFit/>
+          </a:bodyPr>
+          <a:lstStyle/>
+          <a:p>
+            <a:r>
+              <a:rPr kumimoji="1" lang="en-US" altLang="zh-CN" sz="1600" dirty="0"/>
+              <a:t>query</a:t>
+            </a:r>
+            <a:endParaRPr kumimoji="1" lang="zh-CN" altLang="en-US" sz="1600" dirty="0"/>
+          </a:p>
+        </p:txBody>
+      </p:sp>
+      <p:sp>
+        <p:nvSpPr>
+          <p:cNvPr id="21" name="文本框 10">
+            <a:extLst>
+              <a:ext uri="{FF2B5EF4-FFF2-40B4-BE49-F238E27FC236}">
+                <a16:creationId xmlns:a16="http://schemas.microsoft.com/office/drawing/2014/main" id="{046164D1-3AE5-FEC3-66DC-2DAB1FB6408C}"/>
+              </a:ext>
+            </a:extLst>
+          </p:cNvPr>
+          <p:cNvSpPr txBox="1"/>
+          <p:nvPr/>
+        </p:nvSpPr>
+        <p:spPr>
+          <a:xfrm>
+            <a:off x="2073477" y="2134875"/>
+            <a:ext cx="1263487" cy="338554"/>
+          </a:xfrm>
+          <a:prstGeom prst="rect">
+            <a:avLst/>
+          </a:prstGeom>
+          <a:solidFill>
+            <a:srgbClr val="FFFF00"/>
+          </a:solidFill>
+        </p:spPr>
+        <p:txBody>
+          <a:bodyPr wrap="none" rtlCol="0">
+            <a:spAutoFit/>
+          </a:bodyPr>
+          <a:lstStyle/>
+          <a:p>
+            <a:r>
+              <a:rPr kumimoji="1" lang="en-US" altLang="zh-CN" sz="1600" dirty="0"/>
+              <a:t>keys + values</a:t>
+            </a:r>
+            <a:endParaRPr kumimoji="1" lang="zh-CN" altLang="en-US" sz="1600" dirty="0"/>
+          </a:p>
+        </p:txBody>
+      </p:sp>
+      <p:sp>
+        <p:nvSpPr>
+          <p:cNvPr id="22" name="文本框 9">
+            <a:extLst>
+              <a:ext uri="{FF2B5EF4-FFF2-40B4-BE49-F238E27FC236}">
+                <a16:creationId xmlns:a16="http://schemas.microsoft.com/office/drawing/2014/main" id="{36345876-AA24-63C5-5AEB-69EB32CCAC0F}"/>
+              </a:ext>
+            </a:extLst>
+          </p:cNvPr>
+          <p:cNvSpPr txBox="1"/>
+          <p:nvPr/>
+        </p:nvSpPr>
+        <p:spPr>
+          <a:xfrm>
+            <a:off x="4100996" y="1708316"/>
+            <a:ext cx="2718636" cy="1600438"/>
+          </a:xfrm>
+          <a:prstGeom prst="rect">
+            <a:avLst/>
+          </a:prstGeom>
+          <a:noFill/>
+        </p:spPr>
+        <p:txBody>
+          <a:bodyPr wrap="square" rtlCol="0">
+            <a:spAutoFit/>
+          </a:bodyPr>
+          <a:lstStyle/>
+          <a:p>
+            <a:pPr marL="182563" indent="-182563">
+              <a:buFont typeface="Arial" panose="020B0604020202020204" pitchFamily="34" charset="0"/>
+              <a:buChar char="•"/>
+            </a:pPr>
+            <a:r>
+              <a:rPr kumimoji="1" lang="en-US" altLang="zh-CN" sz="1400" dirty="0">
+                <a:solidFill>
+                  <a:srgbClr val="00B0F0"/>
+                </a:solidFill>
+              </a:rPr>
+              <a:t>for each element in target (like “tiempo”)</a:t>
+            </a:r>
+          </a:p>
+          <a:p>
+            <a:pPr marL="182563" indent="-182563">
+              <a:buFont typeface="Arial" panose="020B0604020202020204" pitchFamily="34" charset="0"/>
+              <a:buChar char="•"/>
+            </a:pPr>
+            <a:r>
+              <a:rPr kumimoji="1" lang="en-US" altLang="zh-CN" sz="1400" dirty="0">
+                <a:solidFill>
+                  <a:srgbClr val="00B0F0"/>
+                </a:solidFill>
+              </a:rPr>
+              <a:t>go back to the source and identify the different bits that are related to it</a:t>
+            </a:r>
+          </a:p>
+          <a:p>
+            <a:pPr marL="182563" indent="-182563">
+              <a:buFont typeface="Arial" panose="020B0604020202020204" pitchFamily="34" charset="0"/>
+              <a:buChar char="•"/>
+            </a:pPr>
+            <a:r>
+              <a:rPr kumimoji="1" lang="en-US" altLang="zh-CN" sz="1400" dirty="0">
+                <a:solidFill>
+                  <a:srgbClr val="00B0F0"/>
+                </a:solidFill>
+              </a:rPr>
+              <a:t>tiempo and weather should have a strong match</a:t>
+            </a:r>
+          </a:p>
+        </p:txBody>
+      </p:sp>
+      <p:sp>
+        <p:nvSpPr>
+          <p:cNvPr id="23" name="任意形状 6">
+            <a:extLst>
+              <a:ext uri="{FF2B5EF4-FFF2-40B4-BE49-F238E27FC236}">
+                <a16:creationId xmlns:a16="http://schemas.microsoft.com/office/drawing/2014/main" id="{1CA73373-9613-F357-F863-7383F462CBC0}"/>
+              </a:ext>
+            </a:extLst>
+          </p:cNvPr>
+          <p:cNvSpPr/>
+          <p:nvPr/>
+        </p:nvSpPr>
+        <p:spPr>
+          <a:xfrm>
+            <a:off x="3551829" y="1784440"/>
+            <a:ext cx="504757" cy="1625733"/>
+          </a:xfrm>
+          <a:custGeom>
+            <a:avLst/>
+            <a:gdLst>
+              <a:gd name="connsiteX0" fmla="*/ 137160 w 504757"/>
+              <a:gd name="connsiteY0" fmla="*/ 1417320 h 1417320"/>
+              <a:gd name="connsiteX1" fmla="*/ 502920 w 504757"/>
+              <a:gd name="connsiteY1" fmla="*/ 563880 h 1417320"/>
+              <a:gd name="connsiteX2" fmla="*/ 0 w 504757"/>
+              <a:gd name="connsiteY2" fmla="*/ 0 h 1417320"/>
+            </a:gdLst>
+            <a:ahLst/>
+            <a:cxnLst>
+              <a:cxn ang="0">
+                <a:pos x="connsiteX0" y="connsiteY0"/>
+              </a:cxn>
+              <a:cxn ang="0">
+                <a:pos x="connsiteX1" y="connsiteY1"/>
+              </a:cxn>
+              <a:cxn ang="0">
+                <a:pos x="connsiteX2" y="connsiteY2"/>
+              </a:cxn>
+            </a:cxnLst>
+            <a:rect l="l" t="t" r="r" b="b"/>
+            <a:pathLst>
+              <a:path w="504757" h="1417320">
+                <a:moveTo>
+                  <a:pt x="137160" y="1417320"/>
+                </a:moveTo>
+                <a:cubicBezTo>
+                  <a:pt x="331470" y="1108710"/>
+                  <a:pt x="525780" y="800100"/>
+                  <a:pt x="502920" y="563880"/>
+                </a:cubicBezTo>
+                <a:cubicBezTo>
+                  <a:pt x="480060" y="327660"/>
+                  <a:pt x="63500" y="35560"/>
+                  <a:pt x="0" y="0"/>
+                </a:cubicBezTo>
+              </a:path>
+            </a:pathLst>
+          </a:custGeom>
+          <a:noFill/>
+          <a:ln>
+            <a:solidFill>
+              <a:schemeClr val="tx1">
+                <a:lumMod val="85000"/>
+                <a:lumOff val="15000"/>
+              </a:schemeClr>
+            </a:solidFill>
+            <a:tailEnd type="triangle" w="lg" len="lg"/>
+          </a:ln>
+        </p:spPr>
+        <p:style>
+          <a:lnRef idx="2">
+            <a:schemeClr val="accent1">
+              <a:shade val="50000"/>
+            </a:schemeClr>
+          </a:lnRef>
+          <a:fillRef idx="1">
+            <a:schemeClr val="accent1"/>
+          </a:fillRef>
+          <a:effectRef idx="0">
+            <a:schemeClr val="accent1"/>
+          </a:effectRef>
+          <a:fontRef idx="minor">
+            <a:schemeClr val="lt1"/>
+          </a:fontRef>
+        </p:style>
+        <p:txBody>
+          <a:bodyPr rtlCol="0" anchor="ctr"/>
+          <a:lstStyle/>
+          <a:p>
+            <a:pPr algn="ctr"/>
+            <a:endParaRPr kumimoji="1" lang="zh-CN" altLang="en-US"/>
+          </a:p>
+        </p:txBody>
+      </p:sp>
+      <p:sp>
+        <p:nvSpPr>
+          <p:cNvPr id="24" name="文本框 13">
+            <a:extLst>
+              <a:ext uri="{FF2B5EF4-FFF2-40B4-BE49-F238E27FC236}">
+                <a16:creationId xmlns:a16="http://schemas.microsoft.com/office/drawing/2014/main" id="{90325E07-1B26-30D0-4EFF-8F31101A4C83}"/>
+              </a:ext>
+            </a:extLst>
+          </p:cNvPr>
+          <p:cNvSpPr txBox="1"/>
+          <p:nvPr/>
+        </p:nvSpPr>
+        <p:spPr>
+          <a:xfrm>
+            <a:off x="954088" y="1166961"/>
+            <a:ext cx="2050561" cy="369332"/>
+          </a:xfrm>
+          <a:prstGeom prst="rect">
+            <a:avLst/>
+          </a:prstGeom>
+          <a:noFill/>
+        </p:spPr>
+        <p:txBody>
+          <a:bodyPr wrap="none" rtlCol="0">
+            <a:spAutoFit/>
+          </a:bodyPr>
+          <a:lstStyle/>
+          <a:p>
+            <a:r>
+              <a:rPr kumimoji="1" lang="en-US" altLang="zh-CN" dirty="0"/>
+              <a:t>machine translation</a:t>
+            </a:r>
+            <a:endParaRPr kumimoji="1" lang="zh-CN" altLang="en-US" dirty="0"/>
+          </a:p>
+        </p:txBody>
+      </p:sp>
+      <p:sp>
+        <p:nvSpPr>
+          <p:cNvPr id="25" name="椭圆 14">
+            <a:extLst>
+              <a:ext uri="{FF2B5EF4-FFF2-40B4-BE49-F238E27FC236}">
+                <a16:creationId xmlns:a16="http://schemas.microsoft.com/office/drawing/2014/main" id="{E4F72A41-7F13-F98B-4F0B-245731D9CCEA}"/>
+              </a:ext>
+            </a:extLst>
+          </p:cNvPr>
+          <p:cNvSpPr/>
+          <p:nvPr/>
+        </p:nvSpPr>
+        <p:spPr>
+          <a:xfrm>
+            <a:off x="529376" y="1148626"/>
+            <a:ext cx="360000" cy="360000"/>
+          </a:xfrm>
+          <a:prstGeom prst="ellipse">
+            <a:avLst/>
+          </a:prstGeom>
+          <a:solidFill>
+            <a:srgbClr val="FF6600"/>
+          </a:solidFill>
+          <a:ln>
+            <a:solidFill>
+              <a:srgbClr val="B2B2B2"/>
+            </a:solidFill>
+          </a:ln>
+        </p:spPr>
+        <p:style>
+          <a:lnRef idx="2">
+            <a:schemeClr val="accent1">
+              <a:shade val="50000"/>
+            </a:schemeClr>
+          </a:lnRef>
+          <a:fillRef idx="1">
+            <a:schemeClr val="accent1"/>
+          </a:fillRef>
+          <a:effectRef idx="0">
+            <a:schemeClr val="accent1"/>
+          </a:effectRef>
+          <a:fontRef idx="minor">
+            <a:schemeClr val="lt1"/>
+          </a:fontRef>
+        </p:style>
+        <p:txBody>
+          <a:bodyPr rtlCol="0" anchor="ctr"/>
+          <a:lstStyle/>
+          <a:p>
+            <a:pPr algn="ctr"/>
+            <a:r>
+              <a:rPr kumimoji="1" lang="en-US" altLang="zh-CN" sz="2000" b="1" dirty="0"/>
+              <a:t>1</a:t>
+            </a:r>
+            <a:endParaRPr kumimoji="1" lang="zh-CN" altLang="en-US" sz="2000" b="1" dirty="0"/>
+          </a:p>
+        </p:txBody>
+      </p:sp>
+      <p:cxnSp>
+        <p:nvCxnSpPr>
+          <p:cNvPr id="26" name="直线箭头连接符 4">
+            <a:extLst>
+              <a:ext uri="{FF2B5EF4-FFF2-40B4-BE49-F238E27FC236}">
+                <a16:creationId xmlns:a16="http://schemas.microsoft.com/office/drawing/2014/main" id="{262618F3-FA13-DDD1-E28A-B4FD02D39374}"/>
+              </a:ext>
+            </a:extLst>
+          </p:cNvPr>
+          <p:cNvCxnSpPr/>
+          <p:nvPr/>
+        </p:nvCxnSpPr>
+        <p:spPr>
+          <a:xfrm flipH="1">
+            <a:off x="3422359" y="1015325"/>
+            <a:ext cx="577516" cy="464637"/>
+          </a:xfrm>
+          <a:prstGeom prst="straightConnector1">
+            <a:avLst/>
+          </a:prstGeom>
+          <a:ln w="63500">
+            <a:solidFill>
+              <a:schemeClr val="tx1">
+                <a:lumMod val="65000"/>
+                <a:lumOff val="35000"/>
+              </a:schemeClr>
+            </a:solidFill>
+            <a:tailEnd type="triangle"/>
+          </a:ln>
+        </p:spPr>
+        <p:style>
+          <a:lnRef idx="1">
+            <a:schemeClr val="accent1"/>
+          </a:lnRef>
+          <a:fillRef idx="0">
+            <a:schemeClr val="accent1"/>
+          </a:fillRef>
+          <a:effectRef idx="0">
+            <a:schemeClr val="accent1"/>
+          </a:effectRef>
+          <a:fontRef idx="minor">
+            <a:schemeClr val="tx1"/>
+          </a:fontRef>
+        </p:style>
+      </p:cxnSp>
+      <p:sp>
+        <p:nvSpPr>
+          <p:cNvPr id="27" name="文本框 5">
+            <a:extLst>
+              <a:ext uri="{FF2B5EF4-FFF2-40B4-BE49-F238E27FC236}">
+                <a16:creationId xmlns:a16="http://schemas.microsoft.com/office/drawing/2014/main" id="{ECA2D6BD-6888-172A-526F-907F6F98E20A}"/>
+              </a:ext>
+            </a:extLst>
+          </p:cNvPr>
+          <p:cNvSpPr txBox="1"/>
+          <p:nvPr/>
+        </p:nvSpPr>
+        <p:spPr>
+          <a:xfrm>
+            <a:off x="4100996" y="889962"/>
+            <a:ext cx="3198704" cy="646331"/>
+          </a:xfrm>
+          <a:prstGeom prst="rect">
+            <a:avLst/>
+          </a:prstGeom>
+          <a:noFill/>
+        </p:spPr>
+        <p:txBody>
+          <a:bodyPr wrap="square" rtlCol="0">
+            <a:spAutoFit/>
+          </a:bodyPr>
+          <a:lstStyle/>
+          <a:p>
+            <a:r>
+              <a:rPr kumimoji="1" lang="en-US" altLang="zh-CN" dirty="0"/>
+              <a:t>a </a:t>
+            </a:r>
+            <a:r>
+              <a:rPr kumimoji="1" lang="en-US" altLang="zh-CN" dirty="0">
+                <a:solidFill>
+                  <a:srgbClr val="FF6600"/>
+                </a:solidFill>
+              </a:rPr>
+              <a:t>Transformer encoder </a:t>
+            </a:r>
+            <a:r>
+              <a:rPr kumimoji="1" lang="en-US" altLang="zh-CN" dirty="0"/>
+              <a:t>to process the source sequence</a:t>
+            </a:r>
+            <a:endParaRPr kumimoji="1" lang="zh-CN" altLang="en-US" dirty="0"/>
+          </a:p>
+        </p:txBody>
+      </p:sp>
+      <p:cxnSp>
+        <p:nvCxnSpPr>
+          <p:cNvPr id="28" name="直线箭头连接符 24">
+            <a:extLst>
+              <a:ext uri="{FF2B5EF4-FFF2-40B4-BE49-F238E27FC236}">
+                <a16:creationId xmlns:a16="http://schemas.microsoft.com/office/drawing/2014/main" id="{E02DAB11-1612-B0CC-AFF0-46A791BDF738}"/>
+              </a:ext>
+            </a:extLst>
+          </p:cNvPr>
+          <p:cNvCxnSpPr>
+            <a:cxnSpLocks/>
+          </p:cNvCxnSpPr>
+          <p:nvPr/>
+        </p:nvCxnSpPr>
+        <p:spPr>
+          <a:xfrm flipV="1">
+            <a:off x="3234118" y="3549246"/>
+            <a:ext cx="0" cy="399077"/>
+          </a:xfrm>
+          <a:prstGeom prst="straightConnector1">
+            <a:avLst/>
+          </a:prstGeom>
+          <a:ln w="63500">
+            <a:solidFill>
+              <a:schemeClr val="tx1">
+                <a:lumMod val="65000"/>
+                <a:lumOff val="35000"/>
+              </a:schemeClr>
+            </a:solidFill>
+            <a:tailEnd type="triangle"/>
+          </a:ln>
+        </p:spPr>
+        <p:style>
+          <a:lnRef idx="1">
+            <a:schemeClr val="accent1"/>
+          </a:lnRef>
+          <a:fillRef idx="0">
+            <a:schemeClr val="accent1"/>
+          </a:fillRef>
+          <a:effectRef idx="0">
+            <a:schemeClr val="accent1"/>
+          </a:effectRef>
+          <a:fontRef idx="minor">
+            <a:schemeClr val="tx1"/>
+          </a:fontRef>
+        </p:style>
+      </p:cxnSp>
+      <p:sp>
+        <p:nvSpPr>
+          <p:cNvPr id="29" name="文本框 26">
+            <a:extLst>
+              <a:ext uri="{FF2B5EF4-FFF2-40B4-BE49-F238E27FC236}">
+                <a16:creationId xmlns:a16="http://schemas.microsoft.com/office/drawing/2014/main" id="{597B5F5C-754A-41FE-3BB4-F53A94752E82}"/>
+              </a:ext>
+            </a:extLst>
+          </p:cNvPr>
+          <p:cNvSpPr txBox="1"/>
+          <p:nvPr/>
+        </p:nvSpPr>
+        <p:spPr>
+          <a:xfrm>
+            <a:off x="3551829" y="3549246"/>
+            <a:ext cx="4854899" cy="646331"/>
+          </a:xfrm>
+          <a:prstGeom prst="rect">
+            <a:avLst/>
+          </a:prstGeom>
+          <a:noFill/>
+        </p:spPr>
+        <p:txBody>
+          <a:bodyPr wrap="square" rtlCol="0">
+            <a:spAutoFit/>
+          </a:bodyPr>
+          <a:lstStyle/>
+          <a:p>
+            <a:r>
+              <a:rPr kumimoji="1" lang="en-US" altLang="zh-CN" dirty="0"/>
+              <a:t>a </a:t>
+            </a:r>
+            <a:r>
+              <a:rPr kumimoji="1" lang="en-US" altLang="zh-CN" dirty="0">
+                <a:solidFill>
+                  <a:srgbClr val="FF6600"/>
+                </a:solidFill>
+              </a:rPr>
+              <a:t>Transformer decoder </a:t>
+            </a:r>
+            <a:r>
+              <a:rPr kumimoji="1" lang="en-US" altLang="zh-CN" dirty="0"/>
+              <a:t>that uses the source sequence to generate a translated version</a:t>
+            </a:r>
+            <a:endParaRPr kumimoji="1" lang="zh-CN" altLang="en-US" dirty="0"/>
+          </a:p>
+        </p:txBody>
+      </p:sp>
+      <p:sp>
+        <p:nvSpPr>
+          <p:cNvPr id="31" name="矩形 12">
+            <a:extLst>
+              <a:ext uri="{FF2B5EF4-FFF2-40B4-BE49-F238E27FC236}">
+                <a16:creationId xmlns:a16="http://schemas.microsoft.com/office/drawing/2014/main" id="{5D3DFCC4-97F1-5657-A3F3-40985ADC1387}"/>
+              </a:ext>
+            </a:extLst>
+          </p:cNvPr>
+          <p:cNvSpPr/>
+          <p:nvPr/>
+        </p:nvSpPr>
+        <p:spPr>
+          <a:xfrm>
+            <a:off x="339220" y="766719"/>
+            <a:ext cx="7471280" cy="3683362"/>
+          </a:xfrm>
+          <a:prstGeom prst="rect">
+            <a:avLst/>
+          </a:prstGeom>
+          <a:noFill/>
+        </p:spPr>
+        <p:style>
+          <a:lnRef idx="2">
+            <a:schemeClr val="accent1">
+              <a:shade val="50000"/>
+            </a:schemeClr>
+          </a:lnRef>
+          <a:fillRef idx="1">
+            <a:schemeClr val="accent1"/>
+          </a:fillRef>
+          <a:effectRef idx="0">
+            <a:schemeClr val="accent1"/>
+          </a:effectRef>
+          <a:fontRef idx="minor">
+            <a:schemeClr val="lt1"/>
+          </a:fontRef>
+        </p:style>
+        <p:txBody>
+          <a:bodyPr rtlCol="0" anchor="ctr"/>
+          <a:lstStyle/>
+          <a:p>
+            <a:pPr algn="ctr"/>
+            <a:endParaRPr kumimoji="1" lang="zh-CN" altLang="en-US"/>
+          </a:p>
+        </p:txBody>
+      </p:sp>
+      <p:sp>
+        <p:nvSpPr>
+          <p:cNvPr id="32" name="文本框 26">
+            <a:extLst>
+              <a:ext uri="{FF2B5EF4-FFF2-40B4-BE49-F238E27FC236}">
+                <a16:creationId xmlns:a16="http://schemas.microsoft.com/office/drawing/2014/main" id="{D890CC5D-CE83-34D5-2F5E-CB6D4589F932}"/>
+              </a:ext>
+            </a:extLst>
+          </p:cNvPr>
+          <p:cNvSpPr txBox="1"/>
+          <p:nvPr/>
+        </p:nvSpPr>
+        <p:spPr>
+          <a:xfrm>
+            <a:off x="225429" y="4698687"/>
+            <a:ext cx="7806051" cy="1818447"/>
+          </a:xfrm>
+          <a:prstGeom prst="rect">
+            <a:avLst/>
+          </a:prstGeom>
+          <a:noFill/>
+        </p:spPr>
+        <p:txBody>
+          <a:bodyPr wrap="square" rtlCol="0">
+            <a:spAutoFit/>
+          </a:bodyPr>
+          <a:lstStyle/>
+          <a:p>
+            <a:pPr marL="342900" indent="-342900">
+              <a:spcAft>
+                <a:spcPts val="500"/>
+              </a:spcAft>
+              <a:buFont typeface="+mj-lt"/>
+              <a:buAutoNum type="arabicPeriod"/>
+            </a:pPr>
+            <a:r>
+              <a:rPr kumimoji="1" lang="en-US" altLang="zh-CN" dirty="0"/>
+              <a:t>The Transformer encoder: keeps the encoded representation in a sequence format: </a:t>
+            </a:r>
+            <a:r>
+              <a:rPr kumimoji="1" lang="en-US" altLang="zh-CN" dirty="0">
+                <a:highlight>
+                  <a:srgbClr val="FFFF00"/>
+                </a:highlight>
+              </a:rPr>
+              <a:t>it’s a sequence of context-aware embedding vectors</a:t>
+            </a:r>
+          </a:p>
+          <a:p>
+            <a:pPr marL="342900" indent="-342900">
+              <a:spcAft>
+                <a:spcPts val="500"/>
+              </a:spcAft>
+              <a:buFont typeface="+mj-lt"/>
+              <a:buAutoNum type="arabicPeriod"/>
+            </a:pPr>
+            <a:r>
+              <a:rPr kumimoji="1" lang="en-US" altLang="zh-CN" dirty="0"/>
+              <a:t>The Transformer decoder: it reads tokens 0…N in the target sequence and tries to predict token N+1. </a:t>
+            </a:r>
+            <a:r>
+              <a:rPr kumimoji="1" lang="en-US" altLang="zh-CN" dirty="0">
+                <a:solidFill>
+                  <a:srgbClr val="0070C0"/>
+                </a:solidFill>
+              </a:rPr>
+              <a:t>While doing this, it uses neural attention to identify which tokens in the encoded source sentence are most closely related to the target token it’s currently trying to predict</a:t>
+            </a:r>
+            <a:r>
+              <a:rPr kumimoji="1" lang="en-US" altLang="zh-CN" dirty="0"/>
+              <a:t>.</a:t>
+            </a:r>
+            <a:endParaRPr kumimoji="1" lang="zh-CN" altLang="en-US" dirty="0"/>
           </a:p>
         </p:txBody>
       </p:sp>
@@ -5578,13 +6521,251 @@
           <a:lstStyle/>
           <a:p>
             <a:r>
-              <a:rPr lang="en-US" sz="2400" b="1" dirty="0" err="1"/>
-              <a:t>xxxx</a:t>
+              <a:rPr lang="en-US" sz="2400" b="1" dirty="0"/>
+              <a:t>The Transformer architecture</a:t>
             </a:r>
             <a:endParaRPr lang="en-CN" sz="2400" dirty="0"/>
           </a:p>
         </p:txBody>
       </p:sp>
+      <p:pic>
+        <p:nvPicPr>
+          <p:cNvPr id="3" name="Picture 2">
+            <a:extLst>
+              <a:ext uri="{FF2B5EF4-FFF2-40B4-BE49-F238E27FC236}">
+                <a16:creationId xmlns:a16="http://schemas.microsoft.com/office/drawing/2014/main" id="{33DC4306-CA3B-6A59-4190-3006CF1D29B9}"/>
+              </a:ext>
+            </a:extLst>
+          </p:cNvPr>
+          <p:cNvPicPr>
+            <a:picLocks noChangeAspect="1"/>
+          </p:cNvPicPr>
+          <p:nvPr/>
+        </p:nvPicPr>
+        <p:blipFill>
+          <a:blip r:embed="rId2"/>
+          <a:stretch>
+            <a:fillRect/>
+          </a:stretch>
+        </p:blipFill>
+        <p:spPr>
+          <a:xfrm>
+            <a:off x="1515725" y="882127"/>
+            <a:ext cx="5293865" cy="5610346"/>
+          </a:xfrm>
+          <a:prstGeom prst="rect">
+            <a:avLst/>
+          </a:prstGeom>
+        </p:spPr>
+      </p:pic>
+    </p:spTree>
+    <p:extLst>
+      <p:ext uri="{BB962C8B-B14F-4D97-AF65-F5344CB8AC3E}">
+        <p14:creationId xmlns:p14="http://schemas.microsoft.com/office/powerpoint/2010/main" val="671737860"/>
+      </p:ext>
+    </p:extLst>
+  </p:cSld>
+  <p:clrMapOvr>
+    <a:masterClrMapping/>
+  </p:clrMapOvr>
+</p:sld>
+</file>
+
+<file path=ppt/slides/slide15.xml><?xml version="1.0" encoding="utf-8"?>
+<p:sld xmlns:a="http://schemas.openxmlformats.org/drawingml/2006/main" xmlns:r="http://schemas.openxmlformats.org/officeDocument/2006/relationships" xmlns:p="http://schemas.openxmlformats.org/presentationml/2006/main">
+  <p:cSld>
+    <p:spTree>
+      <p:nvGrpSpPr>
+        <p:cNvPr id="1" name=""/>
+        <p:cNvGrpSpPr/>
+        <p:nvPr/>
+      </p:nvGrpSpPr>
+      <p:grpSpPr>
+        <a:xfrm>
+          <a:off x="0" y="0"/>
+          <a:ext cx="0" cy="0"/>
+          <a:chOff x="0" y="0"/>
+          <a:chExt cx="0" cy="0"/>
+        </a:xfrm>
+      </p:grpSpPr>
+      <p:sp>
+        <p:nvSpPr>
+          <p:cNvPr id="2" name="TextBox 1">
+            <a:extLst>
+              <a:ext uri="{FF2B5EF4-FFF2-40B4-BE49-F238E27FC236}">
+                <a16:creationId xmlns:a16="http://schemas.microsoft.com/office/drawing/2014/main" id="{D6252246-6B99-31AF-0F06-43D1A803AE96}"/>
+              </a:ext>
+            </a:extLst>
+          </p:cNvPr>
+          <p:cNvSpPr txBox="1"/>
+          <p:nvPr/>
+        </p:nvSpPr>
+        <p:spPr>
+          <a:xfrm>
+            <a:off x="497829" y="266218"/>
+            <a:ext cx="10955418" cy="461665"/>
+          </a:xfrm>
+          <a:prstGeom prst="rect">
+            <a:avLst/>
+          </a:prstGeom>
+          <a:noFill/>
+        </p:spPr>
+        <p:txBody>
+          <a:bodyPr wrap="square" rtlCol="0">
+            <a:spAutoFit/>
+          </a:bodyPr>
+          <a:lstStyle/>
+          <a:p>
+            <a:r>
+              <a:rPr lang="en-US" sz="2400" b="1" dirty="0"/>
+              <a:t>Sequence-to-sequence learning with Transformer - 2</a:t>
+            </a:r>
+            <a:endParaRPr lang="en-CN" sz="2400" dirty="0"/>
+          </a:p>
+        </p:txBody>
+      </p:sp>
+      <p:pic>
+        <p:nvPicPr>
+          <p:cNvPr id="3" name="Picture 2">
+            <a:extLst>
+              <a:ext uri="{FF2B5EF4-FFF2-40B4-BE49-F238E27FC236}">
+                <a16:creationId xmlns:a16="http://schemas.microsoft.com/office/drawing/2014/main" id="{124A97DB-0AC7-1BE8-FF07-879E97FF50FD}"/>
+              </a:ext>
+            </a:extLst>
+          </p:cNvPr>
+          <p:cNvPicPr>
+            <a:picLocks noChangeAspect="1"/>
+          </p:cNvPicPr>
+          <p:nvPr/>
+        </p:nvPicPr>
+        <p:blipFill>
+          <a:blip r:embed="rId2"/>
+          <a:stretch>
+            <a:fillRect/>
+          </a:stretch>
+        </p:blipFill>
+        <p:spPr>
+          <a:xfrm>
+            <a:off x="648278" y="727883"/>
+            <a:ext cx="3528315" cy="1456821"/>
+          </a:xfrm>
+          <a:prstGeom prst="rect">
+            <a:avLst/>
+          </a:prstGeom>
+        </p:spPr>
+      </p:pic>
+      <p:pic>
+        <p:nvPicPr>
+          <p:cNvPr id="4" name="Picture 3">
+            <a:extLst>
+              <a:ext uri="{FF2B5EF4-FFF2-40B4-BE49-F238E27FC236}">
+                <a16:creationId xmlns:a16="http://schemas.microsoft.com/office/drawing/2014/main" id="{B47AE0D9-F5AA-3663-D6B2-DBD4C299C8A1}"/>
+              </a:ext>
+            </a:extLst>
+          </p:cNvPr>
+          <p:cNvPicPr>
+            <a:picLocks noChangeAspect="1"/>
+          </p:cNvPicPr>
+          <p:nvPr/>
+        </p:nvPicPr>
+        <p:blipFill>
+          <a:blip r:embed="rId3"/>
+          <a:stretch>
+            <a:fillRect/>
+          </a:stretch>
+        </p:blipFill>
+        <p:spPr>
+          <a:xfrm>
+            <a:off x="416560" y="2642897"/>
+            <a:ext cx="3648724" cy="3823397"/>
+          </a:xfrm>
+          <a:prstGeom prst="rect">
+            <a:avLst/>
+          </a:prstGeom>
+        </p:spPr>
+      </p:pic>
+      <p:sp>
+        <p:nvSpPr>
+          <p:cNvPr id="7" name="Rectangle 6">
+            <a:extLst>
+              <a:ext uri="{FF2B5EF4-FFF2-40B4-BE49-F238E27FC236}">
+                <a16:creationId xmlns:a16="http://schemas.microsoft.com/office/drawing/2014/main" id="{280912BF-0BDF-2442-0DD7-D20E5FA9B5DB}"/>
+              </a:ext>
+            </a:extLst>
+          </p:cNvPr>
+          <p:cNvSpPr/>
+          <p:nvPr/>
+        </p:nvSpPr>
+        <p:spPr>
+          <a:xfrm>
+            <a:off x="4998976" y="2136946"/>
+            <a:ext cx="1698775" cy="278712"/>
+          </a:xfrm>
+          <a:prstGeom prst="rect">
+            <a:avLst/>
+          </a:prstGeom>
+          <a:noFill/>
+          <a:ln w="12700">
+            <a:solidFill>
+              <a:srgbClr val="FF0000"/>
+            </a:solidFill>
+          </a:ln>
+        </p:spPr>
+        <p:style>
+          <a:lnRef idx="2">
+            <a:schemeClr val="accent1">
+              <a:shade val="50000"/>
+            </a:schemeClr>
+          </a:lnRef>
+          <a:fillRef idx="1">
+            <a:schemeClr val="accent1"/>
+          </a:fillRef>
+          <a:effectRef idx="0">
+            <a:schemeClr val="accent1"/>
+          </a:effectRef>
+          <a:fontRef idx="minor">
+            <a:schemeClr val="lt1"/>
+          </a:fontRef>
+        </p:style>
+        <p:txBody>
+          <a:bodyPr rtlCol="0" anchor="ctr"/>
+          <a:lstStyle/>
+          <a:p>
+            <a:pPr algn="ctr"/>
+            <a:endParaRPr lang="en-CN" dirty="0"/>
+          </a:p>
+        </p:txBody>
+      </p:sp>
+      <p:pic>
+        <p:nvPicPr>
+          <p:cNvPr id="9" name="Picture 8">
+            <a:extLst>
+              <a:ext uri="{FF2B5EF4-FFF2-40B4-BE49-F238E27FC236}">
+                <a16:creationId xmlns:a16="http://schemas.microsoft.com/office/drawing/2014/main" id="{ED39E1A3-9AFC-37EC-251E-85C732019A71}"/>
+              </a:ext>
+            </a:extLst>
+          </p:cNvPr>
+          <p:cNvPicPr>
+            <a:picLocks noChangeAspect="1"/>
+          </p:cNvPicPr>
+          <p:nvPr/>
+        </p:nvPicPr>
+        <p:blipFill>
+          <a:blip r:embed="rId4"/>
+          <a:stretch>
+            <a:fillRect/>
+          </a:stretch>
+        </p:blipFill>
+        <p:spPr>
+          <a:xfrm>
+            <a:off x="648277" y="2152538"/>
+            <a:ext cx="3190265" cy="378815"/>
+          </a:xfrm>
+          <a:prstGeom prst="rect">
+            <a:avLst/>
+          </a:prstGeom>
+        </p:spPr>
+      </p:pic>
     </p:spTree>
     <p:extLst>
       <p:ext uri="{BB962C8B-B14F-4D97-AF65-F5344CB8AC3E}">
